--- a/2013_3_16__touchy_web_applications__cowtowncc/touchy.pptx
+++ b/2013_3_16__touchy_web_applications__cowtowncc/touchy.pptx
@@ -5,7 +5,7 @@
     <p:sldMasterId id="2147483648" r:id="rId1"/>
   </p:sldMasterIdLst>
   <p:notesMasterIdLst>
-    <p:notesMasterId r:id="rId32"/>
+    <p:notesMasterId r:id="rId35"/>
   </p:notesMasterIdLst>
   <p:sldIdLst>
     <p:sldId id="256" r:id="rId2"/>
@@ -30,14 +30,17 @@
     <p:sldId id="257" r:id="rId21"/>
     <p:sldId id="278" r:id="rId22"/>
     <p:sldId id="282" r:id="rId23"/>
-    <p:sldId id="287" r:id="rId24"/>
-    <p:sldId id="286" r:id="rId25"/>
-    <p:sldId id="283" r:id="rId26"/>
-    <p:sldId id="279" r:id="rId27"/>
-    <p:sldId id="267" r:id="rId28"/>
-    <p:sldId id="271" r:id="rId29"/>
-    <p:sldId id="284" r:id="rId30"/>
-    <p:sldId id="285" r:id="rId31"/>
+    <p:sldId id="288" r:id="rId24"/>
+    <p:sldId id="287" r:id="rId25"/>
+    <p:sldId id="286" r:id="rId26"/>
+    <p:sldId id="283" r:id="rId27"/>
+    <p:sldId id="279" r:id="rId28"/>
+    <p:sldId id="267" r:id="rId29"/>
+    <p:sldId id="271" r:id="rId30"/>
+    <p:sldId id="284" r:id="rId31"/>
+    <p:sldId id="285" r:id="rId32"/>
+    <p:sldId id="289" r:id="rId33"/>
+    <p:sldId id="290" r:id="rId34"/>
   </p:sldIdLst>
   <p:sldSz cx="9144000" cy="6858000" type="screen4x3"/>
   <p:notesSz cx="6858000" cy="9144000"/>
@@ -221,7 +224,7 @@
           <a:p>
             <a:fld id="{412131FF-E9CF-49C0-9454-0B7FE7017CD9}" type="datetimeFigureOut">
               <a:rPr lang="en-US" smtClean="0"/>
-              <a:t>3/15/2013</a:t>
+              <a:t>3/16/2013</a:t>
             </a:fld>
             <a:endParaRPr lang="en-US"/>
           </a:p>
@@ -554,7 +557,7 @@
           <a:p>
             <a:fld id="{8065CAA0-B976-4EAB-B301-1BC3E32C52BF}" type="slidenum">
               <a:rPr lang="en-US" smtClean="0"/>
-              <a:t>24</a:t>
+              <a:t>25</a:t>
             </a:fld>
             <a:endParaRPr lang="en-US"/>
           </a:p>
@@ -564,6 +567,90 @@
     <p:extLst>
       <p:ext uri="{BB962C8B-B14F-4D97-AF65-F5344CB8AC3E}">
         <p14:creationId xmlns:p14="http://schemas.microsoft.com/office/powerpoint/2010/main" val="4065645257"/>
+      </p:ext>
+    </p:extLst>
+  </p:cSld>
+  <p:clrMapOvr>
+    <a:masterClrMapping/>
+  </p:clrMapOvr>
+</p:notes>
+</file>
+
+<file path=ppt/notesSlides/notesSlide2.xml><?xml version="1.0" encoding="utf-8"?>
+<p:notes xmlns:a="http://schemas.openxmlformats.org/drawingml/2006/main" xmlns:r="http://schemas.openxmlformats.org/officeDocument/2006/relationships" xmlns:p="http://schemas.openxmlformats.org/presentationml/2006/main">
+  <p:cSld>
+    <p:spTree>
+      <p:nvGrpSpPr>
+        <p:cNvPr id="1" name=""/>
+        <p:cNvGrpSpPr/>
+        <p:nvPr/>
+      </p:nvGrpSpPr>
+      <p:grpSpPr>
+        <a:xfrm>
+          <a:off x="0" y="0"/>
+          <a:ext cx="0" cy="0"/>
+          <a:chOff x="0" y="0"/>
+          <a:chExt cx="0" cy="0"/>
+        </a:xfrm>
+      </p:grpSpPr>
+      <p:sp>
+        <p:nvSpPr>
+          <p:cNvPr id="2" name="Slide Image Placeholder 1"/>
+          <p:cNvSpPr>
+            <a:spLocks noGrp="1" noRot="1" noChangeAspect="1"/>
+          </p:cNvSpPr>
+          <p:nvPr>
+            <p:ph type="sldImg"/>
+          </p:nvPr>
+        </p:nvSpPr>
+        <p:spPr/>
+      </p:sp>
+      <p:sp>
+        <p:nvSpPr>
+          <p:cNvPr id="3" name="Notes Placeholder 2"/>
+          <p:cNvSpPr>
+            <a:spLocks noGrp="1"/>
+          </p:cNvSpPr>
+          <p:nvPr>
+            <p:ph type="body" idx="1"/>
+          </p:nvPr>
+        </p:nvSpPr>
+        <p:spPr/>
+        <p:txBody>
+          <a:bodyPr/>
+          <a:lstStyle/>
+          <a:p>
+            <a:endParaRPr lang="en-US" dirty="0"/>
+          </a:p>
+        </p:txBody>
+      </p:sp>
+      <p:sp>
+        <p:nvSpPr>
+          <p:cNvPr id="4" name="Slide Number Placeholder 3"/>
+          <p:cNvSpPr>
+            <a:spLocks noGrp="1"/>
+          </p:cNvSpPr>
+          <p:nvPr>
+            <p:ph type="sldNum" sz="quarter" idx="10"/>
+          </p:nvPr>
+        </p:nvSpPr>
+        <p:spPr/>
+        <p:txBody>
+          <a:bodyPr/>
+          <a:lstStyle/>
+          <a:p>
+            <a:fld id="{8065CAA0-B976-4EAB-B301-1BC3E32C52BF}" type="slidenum">
+              <a:rPr lang="en-US" smtClean="0"/>
+              <a:t>29</a:t>
+            </a:fld>
+            <a:endParaRPr lang="en-US"/>
+          </a:p>
+        </p:txBody>
+      </p:sp>
+    </p:spTree>
+    <p:extLst>
+      <p:ext uri="{BB962C8B-B14F-4D97-AF65-F5344CB8AC3E}">
+        <p14:creationId xmlns:p14="http://schemas.microsoft.com/office/powerpoint/2010/main" val="2618935501"/>
       </p:ext>
     </p:extLst>
   </p:cSld>
@@ -755,7 +842,7 @@
             <a:fld id="{1D8BD707-D9CF-40AE-B4C6-C98DA3205C09}" type="datetimeFigureOut">
               <a:rPr lang="en-US" smtClean="0"/>
               <a:pPr/>
-              <a:t>3/15/2013</a:t>
+              <a:t>3/16/2013</a:t>
             </a:fld>
             <a:endParaRPr lang="en-US"/>
           </a:p>
@@ -922,7 +1009,7 @@
             <a:fld id="{1D8BD707-D9CF-40AE-B4C6-C98DA3205C09}" type="datetimeFigureOut">
               <a:rPr lang="en-US" smtClean="0"/>
               <a:pPr/>
-              <a:t>3/15/2013</a:t>
+              <a:t>3/16/2013</a:t>
             </a:fld>
             <a:endParaRPr lang="en-US"/>
           </a:p>
@@ -1099,7 +1186,7 @@
             <a:fld id="{1D8BD707-D9CF-40AE-B4C6-C98DA3205C09}" type="datetimeFigureOut">
               <a:rPr lang="en-US" smtClean="0"/>
               <a:pPr/>
-              <a:t>3/15/2013</a:t>
+              <a:t>3/16/2013</a:t>
             </a:fld>
             <a:endParaRPr lang="en-US"/>
           </a:p>
@@ -1266,7 +1353,7 @@
             <a:fld id="{1D8BD707-D9CF-40AE-B4C6-C98DA3205C09}" type="datetimeFigureOut">
               <a:rPr lang="en-US" smtClean="0"/>
               <a:pPr/>
-              <a:t>3/15/2013</a:t>
+              <a:t>3/16/2013</a:t>
             </a:fld>
             <a:endParaRPr lang="en-US"/>
           </a:p>
@@ -1509,7 +1596,7 @@
             <a:fld id="{1D8BD707-D9CF-40AE-B4C6-C98DA3205C09}" type="datetimeFigureOut">
               <a:rPr lang="en-US" smtClean="0"/>
               <a:pPr/>
-              <a:t>3/15/2013</a:t>
+              <a:t>3/16/2013</a:t>
             </a:fld>
             <a:endParaRPr lang="en-US"/>
           </a:p>
@@ -1794,7 +1881,7 @@
             <a:fld id="{1D8BD707-D9CF-40AE-B4C6-C98DA3205C09}" type="datetimeFigureOut">
               <a:rPr lang="en-US" smtClean="0"/>
               <a:pPr/>
-              <a:t>3/15/2013</a:t>
+              <a:t>3/16/2013</a:t>
             </a:fld>
             <a:endParaRPr lang="en-US"/>
           </a:p>
@@ -2213,7 +2300,7 @@
             <a:fld id="{1D8BD707-D9CF-40AE-B4C6-C98DA3205C09}" type="datetimeFigureOut">
               <a:rPr lang="en-US" smtClean="0"/>
               <a:pPr/>
-              <a:t>3/15/2013</a:t>
+              <a:t>3/16/2013</a:t>
             </a:fld>
             <a:endParaRPr lang="en-US"/>
           </a:p>
@@ -2328,7 +2415,7 @@
             <a:fld id="{1D8BD707-D9CF-40AE-B4C6-C98DA3205C09}" type="datetimeFigureOut">
               <a:rPr lang="en-US" smtClean="0"/>
               <a:pPr/>
-              <a:t>3/15/2013</a:t>
+              <a:t>3/16/2013</a:t>
             </a:fld>
             <a:endParaRPr lang="en-US"/>
           </a:p>
@@ -2420,7 +2507,7 @@
             <a:fld id="{1D8BD707-D9CF-40AE-B4C6-C98DA3205C09}" type="datetimeFigureOut">
               <a:rPr lang="en-US" smtClean="0"/>
               <a:pPr/>
-              <a:t>3/15/2013</a:t>
+              <a:t>3/16/2013</a:t>
             </a:fld>
             <a:endParaRPr lang="en-US"/>
           </a:p>
@@ -2694,7 +2781,7 @@
             <a:fld id="{1D8BD707-D9CF-40AE-B4C6-C98DA3205C09}" type="datetimeFigureOut">
               <a:rPr lang="en-US" smtClean="0"/>
               <a:pPr/>
-              <a:t>3/15/2013</a:t>
+              <a:t>3/16/2013</a:t>
             </a:fld>
             <a:endParaRPr lang="en-US"/>
           </a:p>
@@ -2944,7 +3031,7 @@
             <a:fld id="{1D8BD707-D9CF-40AE-B4C6-C98DA3205C09}" type="datetimeFigureOut">
               <a:rPr lang="en-US" smtClean="0"/>
               <a:pPr/>
-              <a:t>3/15/2013</a:t>
+              <a:t>3/16/2013</a:t>
             </a:fld>
             <a:endParaRPr lang="en-US"/>
           </a:p>
@@ -3157,7 +3244,7 @@
             <a:fld id="{1D8BD707-D9CF-40AE-B4C6-C98DA3205C09}" type="datetimeFigureOut">
               <a:rPr lang="en-US" smtClean="0"/>
               <a:pPr/>
-              <a:t>3/15/2013</a:t>
+              <a:t>3/16/2013</a:t>
             </a:fld>
             <a:endParaRPr lang="en-US"/>
           </a:p>
@@ -3660,8 +3747,8 @@
         </p:nvSpPr>
         <p:spPr>
           <a:xfrm>
-            <a:off x="304800" y="4895850"/>
-            <a:ext cx="6400800" cy="1752600"/>
+            <a:off x="304800" y="3530782"/>
+            <a:ext cx="6400800" cy="3079568"/>
           </a:xfrm>
           <a:prstGeom prst="rect">
             <a:avLst/>
@@ -3669,7 +3756,7 @@
         </p:spPr>
         <p:txBody>
           <a:bodyPr vert="horz" lIns="91440" tIns="45720" rIns="91440" bIns="45720" rtlCol="0">
-            <a:normAutofit/>
+            <a:normAutofit fontScale="92500" lnSpcReduction="10000"/>
           </a:bodyPr>
           <a:lstStyle>
             <a:lvl1pPr marL="0" indent="0" algn="ctr" defTabSz="914400" rtl="0" eaLnBrk="1" latinLnBrk="0" hangingPunct="1">
@@ -3857,6 +3944,50 @@
                 </a:solidFill>
               </a:rPr>
               <a:t>at Match.com</a:t>
+            </a:r>
+          </a:p>
+          <a:p>
+            <a:pPr algn="l"/>
+            <a:endParaRPr lang="en-US" dirty="0">
+              <a:solidFill>
+                <a:schemeClr val="tx1"/>
+              </a:solidFill>
+            </a:endParaRPr>
+          </a:p>
+          <a:p>
+            <a:pPr algn="l"/>
+            <a:r>
+              <a:rPr lang="en-US" dirty="0" smtClean="0">
+                <a:solidFill>
+                  <a:schemeClr val="tx1"/>
+                </a:solidFill>
+                <a:hlinkClick r:id="rId3"/>
+              </a:rPr>
+              <a:t>eric.sowell@gmail.com</a:t>
+            </a:r>
+            <a:endParaRPr lang="en-US" dirty="0" smtClean="0">
+              <a:solidFill>
+                <a:schemeClr val="tx1"/>
+              </a:solidFill>
+            </a:endParaRPr>
+          </a:p>
+          <a:p>
+            <a:pPr algn="l"/>
+            <a:r>
+              <a:rPr lang="en-US" dirty="0" smtClean="0">
+                <a:solidFill>
+                  <a:schemeClr val="tx1"/>
+                </a:solidFill>
+              </a:rPr>
+              <a:t>@</a:t>
+            </a:r>
+            <a:r>
+              <a:rPr lang="en-US" dirty="0" err="1" smtClean="0">
+                <a:solidFill>
+                  <a:schemeClr val="tx1"/>
+                </a:solidFill>
+              </a:rPr>
+              <a:t>mallioch</a:t>
             </a:r>
             <a:endParaRPr lang="en-US" dirty="0">
               <a:solidFill>
@@ -5216,9 +5347,182 @@
   <p:timing>
     <p:tnLst>
       <p:par>
-        <p:cTn id="1" dur="indefinite" restart="never" nodeType="tmRoot"/>
+        <p:cTn id="1" dur="indefinite" restart="never" nodeType="tmRoot">
+          <p:childTnLst>
+            <p:seq concurrent="1" nextAc="seek">
+              <p:cTn id="2" dur="indefinite" nodeType="mainSeq">
+                <p:childTnLst>
+                  <p:par>
+                    <p:cTn id="3" fill="hold">
+                      <p:stCondLst>
+                        <p:cond delay="indefinite"/>
+                      </p:stCondLst>
+                      <p:childTnLst>
+                        <p:par>
+                          <p:cTn id="4" fill="hold">
+                            <p:stCondLst>
+                              <p:cond delay="0"/>
+                            </p:stCondLst>
+                            <p:childTnLst>
+                              <p:par>
+                                <p:cTn id="5" presetID="1" presetClass="entr" presetSubtype="0" fill="hold" grpId="0" nodeType="clickEffect">
+                                  <p:stCondLst>
+                                    <p:cond delay="0"/>
+                                  </p:stCondLst>
+                                  <p:childTnLst>
+                                    <p:set>
+                                      <p:cBhvr>
+                                        <p:cTn id="6" dur="1" fill="hold">
+                                          <p:stCondLst>
+                                            <p:cond delay="0"/>
+                                          </p:stCondLst>
+                                        </p:cTn>
+                                        <p:tgtEl>
+                                          <p:spTgt spid="3">
+                                            <p:txEl>
+                                              <p:pRg st="0" end="0"/>
+                                            </p:txEl>
+                                          </p:spTgt>
+                                        </p:tgtEl>
+                                        <p:attrNameLst>
+                                          <p:attrName>style.visibility</p:attrName>
+                                        </p:attrNameLst>
+                                      </p:cBhvr>
+                                      <p:to>
+                                        <p:strVal val="visible"/>
+                                      </p:to>
+                                    </p:set>
+                                  </p:childTnLst>
+                                </p:cTn>
+                              </p:par>
+                            </p:childTnLst>
+                          </p:cTn>
+                        </p:par>
+                      </p:childTnLst>
+                    </p:cTn>
+                  </p:par>
+                  <p:par>
+                    <p:cTn id="7" fill="hold">
+                      <p:stCondLst>
+                        <p:cond delay="indefinite"/>
+                      </p:stCondLst>
+                      <p:childTnLst>
+                        <p:par>
+                          <p:cTn id="8" fill="hold">
+                            <p:stCondLst>
+                              <p:cond delay="0"/>
+                            </p:stCondLst>
+                            <p:childTnLst>
+                              <p:par>
+                                <p:cTn id="9" presetID="1" presetClass="entr" presetSubtype="0" fill="hold" grpId="0" nodeType="clickEffect">
+                                  <p:stCondLst>
+                                    <p:cond delay="0"/>
+                                  </p:stCondLst>
+                                  <p:childTnLst>
+                                    <p:set>
+                                      <p:cBhvr>
+                                        <p:cTn id="10" dur="1" fill="hold">
+                                          <p:stCondLst>
+                                            <p:cond delay="0"/>
+                                          </p:stCondLst>
+                                        </p:cTn>
+                                        <p:tgtEl>
+                                          <p:spTgt spid="3">
+                                            <p:txEl>
+                                              <p:pRg st="1" end="1"/>
+                                            </p:txEl>
+                                          </p:spTgt>
+                                        </p:tgtEl>
+                                        <p:attrNameLst>
+                                          <p:attrName>style.visibility</p:attrName>
+                                        </p:attrNameLst>
+                                      </p:cBhvr>
+                                      <p:to>
+                                        <p:strVal val="visible"/>
+                                      </p:to>
+                                    </p:set>
+                                  </p:childTnLst>
+                                </p:cTn>
+                              </p:par>
+                            </p:childTnLst>
+                          </p:cTn>
+                        </p:par>
+                      </p:childTnLst>
+                    </p:cTn>
+                  </p:par>
+                  <p:par>
+                    <p:cTn id="11" fill="hold">
+                      <p:stCondLst>
+                        <p:cond delay="indefinite"/>
+                      </p:stCondLst>
+                      <p:childTnLst>
+                        <p:par>
+                          <p:cTn id="12" fill="hold">
+                            <p:stCondLst>
+                              <p:cond delay="0"/>
+                            </p:stCondLst>
+                            <p:childTnLst>
+                              <p:par>
+                                <p:cTn id="13" presetID="1" presetClass="entr" presetSubtype="0" fill="hold" grpId="0" nodeType="clickEffect">
+                                  <p:stCondLst>
+                                    <p:cond delay="0"/>
+                                  </p:stCondLst>
+                                  <p:childTnLst>
+                                    <p:set>
+                                      <p:cBhvr>
+                                        <p:cTn id="14" dur="1" fill="hold">
+                                          <p:stCondLst>
+                                            <p:cond delay="0"/>
+                                          </p:stCondLst>
+                                        </p:cTn>
+                                        <p:tgtEl>
+                                          <p:spTgt spid="3">
+                                            <p:txEl>
+                                              <p:pRg st="2" end="2"/>
+                                            </p:txEl>
+                                          </p:spTgt>
+                                        </p:tgtEl>
+                                        <p:attrNameLst>
+                                          <p:attrName>style.visibility</p:attrName>
+                                        </p:attrNameLst>
+                                      </p:cBhvr>
+                                      <p:to>
+                                        <p:strVal val="visible"/>
+                                      </p:to>
+                                    </p:set>
+                                  </p:childTnLst>
+                                </p:cTn>
+                              </p:par>
+                            </p:childTnLst>
+                          </p:cTn>
+                        </p:par>
+                      </p:childTnLst>
+                    </p:cTn>
+                  </p:par>
+                </p:childTnLst>
+              </p:cTn>
+              <p:prevCondLst>
+                <p:cond evt="onPrev" delay="0">
+                  <p:tgtEl>
+                    <p:sldTgt/>
+                  </p:tgtEl>
+                </p:cond>
+              </p:prevCondLst>
+              <p:nextCondLst>
+                <p:cond evt="onNext" delay="0">
+                  <p:tgtEl>
+                    <p:sldTgt/>
+                  </p:tgtEl>
+                </p:cond>
+              </p:nextCondLst>
+            </p:seq>
+          </p:childTnLst>
+        </p:cTn>
       </p:par>
     </p:tnLst>
+    <p:bldLst>
+      <p:bldP spid="3" grpId="0" build="p"/>
+    </p:bldLst>
   </p:timing>
 </p:sld>
 </file>
@@ -5556,7 +5860,11 @@
             </a:pPr>
             <a:r>
               <a:rPr lang="en-US" dirty="0"/>
-              <a:t>Some good examples</a:t>
+              <a:t>Some </a:t>
+            </a:r>
+            <a:r>
+              <a:rPr lang="en-US" dirty="0" smtClean="0"/>
+              <a:t>examples</a:t>
             </a:r>
             <a:endParaRPr lang="en-US" dirty="0" smtClean="0"/>
           </a:p>
@@ -6291,6 +6599,73 @@
       </p:grpSpPr>
       <p:pic>
         <p:nvPicPr>
+          <p:cNvPr id="4" name="Picture 3"/>
+          <p:cNvPicPr>
+            <a:picLocks noChangeAspect="1"/>
+          </p:cNvPicPr>
+          <p:nvPr/>
+        </p:nvPicPr>
+        <p:blipFill>
+          <a:blip r:embed="rId2">
+            <a:extLst>
+              <a:ext uri="{28A0092B-C50C-407E-A947-70E740481C1C}">
+                <a14:useLocalDpi xmlns:a14="http://schemas.microsoft.com/office/drawing/2010/main" val="0"/>
+              </a:ext>
+            </a:extLst>
+          </a:blip>
+          <a:stretch>
+            <a:fillRect/>
+          </a:stretch>
+        </p:blipFill>
+        <p:spPr>
+          <a:xfrm>
+            <a:off x="0" y="0"/>
+            <a:ext cx="9144000" cy="6858000"/>
+          </a:xfrm>
+          <a:prstGeom prst="rect">
+            <a:avLst/>
+          </a:prstGeom>
+        </p:spPr>
+      </p:pic>
+    </p:spTree>
+    <p:extLst>
+      <p:ext uri="{BB962C8B-B14F-4D97-AF65-F5344CB8AC3E}">
+        <p14:creationId xmlns:p14="http://schemas.microsoft.com/office/powerpoint/2010/main" val="3973691157"/>
+      </p:ext>
+    </p:extLst>
+  </p:cSld>
+  <p:clrMapOvr>
+    <a:masterClrMapping/>
+  </p:clrMapOvr>
+  <p:timing>
+    <p:tnLst>
+      <p:par>
+        <p:cTn id="1" dur="indefinite" restart="never" nodeType="tmRoot"/>
+      </p:par>
+    </p:tnLst>
+  </p:timing>
+</p:sld>
+</file>
+
+<file path=ppt/slides/slide24.xml><?xml version="1.0" encoding="utf-8"?>
+<p:sld xmlns:a="http://schemas.openxmlformats.org/drawingml/2006/main" xmlns:r="http://schemas.openxmlformats.org/officeDocument/2006/relationships" xmlns:p="http://schemas.openxmlformats.org/presentationml/2006/main">
+  <p:cSld>
+    <p:spTree>
+      <p:nvGrpSpPr>
+        <p:cNvPr id="1" name=""/>
+        <p:cNvGrpSpPr/>
+        <p:nvPr/>
+      </p:nvGrpSpPr>
+      <p:grpSpPr>
+        <a:xfrm>
+          <a:off x="0" y="0"/>
+          <a:ext cx="0" cy="0"/>
+          <a:chOff x="0" y="0"/>
+          <a:chExt cx="0" cy="0"/>
+        </a:xfrm>
+      </p:grpSpPr>
+      <p:pic>
+        <p:nvPicPr>
           <p:cNvPr id="4" name="Content Placeholder 3"/>
           <p:cNvPicPr>
             <a:picLocks noGrp="1" noChangeAspect="1"/>
@@ -6338,7 +6713,7 @@
 </p:sld>
 </file>
 
-<file path=ppt/slides/slide24.xml><?xml version="1.0" encoding="utf-8"?>
+<file path=ppt/slides/slide25.xml><?xml version="1.0" encoding="utf-8"?>
 <p:sld xmlns:a="http://schemas.openxmlformats.org/drawingml/2006/main" xmlns:r="http://schemas.openxmlformats.org/officeDocument/2006/relationships" xmlns:p="http://schemas.openxmlformats.org/presentationml/2006/main">
   <p:cSld>
     <p:spTree>
@@ -6405,133 +6780,6 @@
 </p:sld>
 </file>
 
-<file path=ppt/slides/slide25.xml><?xml version="1.0" encoding="utf-8"?>
-<p:sld xmlns:a="http://schemas.openxmlformats.org/drawingml/2006/main" xmlns:r="http://schemas.openxmlformats.org/officeDocument/2006/relationships" xmlns:p="http://schemas.openxmlformats.org/presentationml/2006/main">
-  <p:cSld>
-    <p:spTree>
-      <p:nvGrpSpPr>
-        <p:cNvPr id="1" name=""/>
-        <p:cNvGrpSpPr/>
-        <p:nvPr/>
-      </p:nvGrpSpPr>
-      <p:grpSpPr>
-        <a:xfrm>
-          <a:off x="0" y="0"/>
-          <a:ext cx="0" cy="0"/>
-          <a:chOff x="0" y="0"/>
-          <a:chExt cx="0" cy="0"/>
-        </a:xfrm>
-      </p:grpSpPr>
-      <p:sp>
-        <p:nvSpPr>
-          <p:cNvPr id="2" name="Title 1"/>
-          <p:cNvSpPr>
-            <a:spLocks noGrp="1"/>
-          </p:cNvSpPr>
-          <p:nvPr>
-            <p:ph type="title"/>
-          </p:nvPr>
-        </p:nvSpPr>
-        <p:spPr/>
-        <p:txBody>
-          <a:bodyPr/>
-          <a:lstStyle/>
-          <a:p>
-            <a:r>
-              <a:rPr lang="en-US" dirty="0" smtClean="0"/>
-              <a:t>Reasonable</a:t>
-            </a:r>
-            <a:endParaRPr lang="en-US" dirty="0"/>
-          </a:p>
-        </p:txBody>
-      </p:sp>
-      <p:sp>
-        <p:nvSpPr>
-          <p:cNvPr id="3" name="Content Placeholder 2"/>
-          <p:cNvSpPr>
-            <a:spLocks noGrp="1"/>
-          </p:cNvSpPr>
-          <p:nvPr>
-            <p:ph idx="1"/>
-          </p:nvPr>
-        </p:nvSpPr>
-        <p:spPr/>
-        <p:txBody>
-          <a:bodyPr/>
-          <a:lstStyle/>
-          <a:p>
-            <a:r>
-              <a:rPr lang="en-US" dirty="0" err="1" smtClean="0"/>
-              <a:t>iOS</a:t>
-            </a:r>
-            <a:r>
-              <a:rPr lang="en-US" dirty="0" smtClean="0"/>
-              <a:t> (I’ve tested back to v4)</a:t>
-            </a:r>
-          </a:p>
-          <a:p>
-            <a:r>
-              <a:rPr lang="en-US" dirty="0" smtClean="0"/>
-              <a:t>Android (I’ve tested back to 2.2)</a:t>
-            </a:r>
-          </a:p>
-          <a:p>
-            <a:r>
-              <a:rPr lang="en-US" dirty="0" smtClean="0"/>
-              <a:t>Kindle (really Android)</a:t>
-            </a:r>
-          </a:p>
-          <a:p>
-            <a:r>
-              <a:rPr lang="en-US" dirty="0" smtClean="0"/>
-              <a:t>Windows Phone 8</a:t>
-            </a:r>
-          </a:p>
-          <a:p>
-            <a:r>
-              <a:rPr lang="en-US" dirty="0" smtClean="0"/>
-              <a:t>Windows 8</a:t>
-            </a:r>
-          </a:p>
-          <a:p>
-            <a:r>
-              <a:rPr lang="en-US" dirty="0" smtClean="0"/>
-              <a:t>Blackberry 10 (</a:t>
-            </a:r>
-            <a:r>
-              <a:rPr lang="en-US" dirty="0" err="1" smtClean="0"/>
-              <a:t>webkit</a:t>
-            </a:r>
-            <a:r>
-              <a:rPr lang="en-US" dirty="0" smtClean="0"/>
-              <a:t>)</a:t>
-            </a:r>
-          </a:p>
-          <a:p>
-            <a:endParaRPr lang="en-US" dirty="0"/>
-          </a:p>
-        </p:txBody>
-      </p:sp>
-    </p:spTree>
-    <p:extLst>
-      <p:ext uri="{BB962C8B-B14F-4D97-AF65-F5344CB8AC3E}">
-        <p14:creationId xmlns:p14="http://schemas.microsoft.com/office/powerpoint/2010/main" val="3917721745"/>
-      </p:ext>
-    </p:extLst>
-  </p:cSld>
-  <p:clrMapOvr>
-    <a:masterClrMapping/>
-  </p:clrMapOvr>
-  <p:timing>
-    <p:tnLst>
-      <p:par>
-        <p:cTn id="1" dur="indefinite" restart="never" nodeType="tmRoot"/>
-      </p:par>
-    </p:tnLst>
-  </p:timing>
-</p:sld>
-</file>
-
 <file path=ppt/slides/slide26.xml><?xml version="1.0" encoding="utf-8"?>
 <p:sld xmlns:a="http://schemas.openxmlformats.org/drawingml/2006/main" xmlns:r="http://schemas.openxmlformats.org/officeDocument/2006/relationships" xmlns:p="http://schemas.openxmlformats.org/presentationml/2006/main">
   <p:cSld>
@@ -6559,20 +6807,82 @@
             <p:ph type="title"/>
           </p:nvPr>
         </p:nvSpPr>
-        <p:spPr>
-          <a:xfrm>
-            <a:off x="457200" y="274638"/>
-            <a:ext cx="8229600" cy="5364162"/>
-          </a:xfrm>
-        </p:spPr>
+        <p:spPr/>
         <p:txBody>
           <a:bodyPr/>
           <a:lstStyle/>
           <a:p>
             <a:r>
               <a:rPr lang="en-US" dirty="0" smtClean="0"/>
-              <a:t>Let’s see something simple but real</a:t>
-            </a:r>
+              <a:t>Reasonable</a:t>
+            </a:r>
+            <a:endParaRPr lang="en-US" dirty="0"/>
+          </a:p>
+        </p:txBody>
+      </p:sp>
+      <p:sp>
+        <p:nvSpPr>
+          <p:cNvPr id="3" name="Content Placeholder 2"/>
+          <p:cNvSpPr>
+            <a:spLocks noGrp="1"/>
+          </p:cNvSpPr>
+          <p:nvPr>
+            <p:ph idx="1"/>
+          </p:nvPr>
+        </p:nvSpPr>
+        <p:spPr/>
+        <p:txBody>
+          <a:bodyPr/>
+          <a:lstStyle/>
+          <a:p>
+            <a:r>
+              <a:rPr lang="en-US" dirty="0" err="1" smtClean="0"/>
+              <a:t>iOS</a:t>
+            </a:r>
+            <a:r>
+              <a:rPr lang="en-US" dirty="0" smtClean="0"/>
+              <a:t> (I’ve tested back to v4)</a:t>
+            </a:r>
+          </a:p>
+          <a:p>
+            <a:r>
+              <a:rPr lang="en-US" dirty="0" smtClean="0"/>
+              <a:t>Android (I’ve tested back to 2.2 – usually ok)</a:t>
+            </a:r>
+          </a:p>
+          <a:p>
+            <a:r>
+              <a:rPr lang="en-US" dirty="0" smtClean="0"/>
+              <a:t>Kindle (actually Android)</a:t>
+            </a:r>
+          </a:p>
+          <a:p>
+            <a:r>
+              <a:rPr lang="en-US" dirty="0" smtClean="0"/>
+              <a:t>Windows Phone 8</a:t>
+            </a:r>
+          </a:p>
+          <a:p>
+            <a:r>
+              <a:rPr lang="en-US" dirty="0" smtClean="0"/>
+              <a:t>Windows 8</a:t>
+            </a:r>
+          </a:p>
+          <a:p>
+            <a:r>
+              <a:rPr lang="en-US" dirty="0" smtClean="0"/>
+              <a:t>Blackberry 10 (</a:t>
+            </a:r>
+            <a:r>
+              <a:rPr lang="en-US" dirty="0" err="1" smtClean="0"/>
+              <a:t>webkit</a:t>
+            </a:r>
+            <a:r>
+              <a:rPr lang="en-US" dirty="0" smtClean="0"/>
+              <a:t>)</a:t>
+            </a:r>
+          </a:p>
+          <a:p>
             <a:endParaRPr lang="en-US" dirty="0"/>
           </a:p>
         </p:txBody>
@@ -6580,7 +6890,7 @@
     </p:spTree>
     <p:extLst>
       <p:ext uri="{BB962C8B-B14F-4D97-AF65-F5344CB8AC3E}">
-        <p14:creationId xmlns:p14="http://schemas.microsoft.com/office/powerpoint/2010/main" val="1186569597"/>
+        <p14:creationId xmlns:p14="http://schemas.microsoft.com/office/powerpoint/2010/main" val="3917721745"/>
       </p:ext>
     </p:extLst>
   </p:cSld>
@@ -6624,59 +6934,19 @@
             <p:ph type="title"/>
           </p:nvPr>
         </p:nvSpPr>
-        <p:spPr/>
+        <p:spPr>
+          <a:xfrm>
+            <a:off x="457200" y="274638"/>
+            <a:ext cx="8229600" cy="5364162"/>
+          </a:xfrm>
+        </p:spPr>
         <p:txBody>
           <a:bodyPr/>
           <a:lstStyle/>
           <a:p>
             <a:r>
               <a:rPr lang="en-US" dirty="0" smtClean="0"/>
-              <a:t>Preventing Default Behavior</a:t>
-            </a:r>
-            <a:endParaRPr lang="en-US" dirty="0"/>
-          </a:p>
-        </p:txBody>
-      </p:sp>
-      <p:sp>
-        <p:nvSpPr>
-          <p:cNvPr id="3" name="Content Placeholder 2"/>
-          <p:cNvSpPr>
-            <a:spLocks noGrp="1"/>
-          </p:cNvSpPr>
-          <p:nvPr>
-            <p:ph idx="1"/>
-          </p:nvPr>
-        </p:nvSpPr>
-        <p:spPr/>
-        <p:txBody>
-          <a:bodyPr/>
-          <a:lstStyle/>
-          <a:p>
-            <a:r>
-              <a:rPr lang="en-US" dirty="0" err="1" smtClean="0"/>
-              <a:t>evt.preventDefault</a:t>
-            </a:r>
-            <a:r>
-              <a:rPr lang="en-US" dirty="0" smtClean="0"/>
-              <a:t>() is your friend.</a:t>
-            </a:r>
-          </a:p>
-          <a:p>
-            <a:r>
-              <a:rPr lang="en-US" dirty="0"/>
-              <a:t>-</a:t>
-            </a:r>
-            <a:r>
-              <a:rPr lang="en-US" dirty="0" err="1"/>
-              <a:t>ms</a:t>
-            </a:r>
-            <a:r>
-              <a:rPr lang="en-US" dirty="0"/>
-              <a:t>-touch-action: </a:t>
-            </a:r>
-            <a:r>
-              <a:rPr lang="en-US" dirty="0" smtClean="0"/>
-              <a:t>none is also your friend.</a:t>
+              <a:t>Let’s see something simple but real</a:t>
             </a:r>
             <a:endParaRPr lang="en-US" dirty="0"/>
           </a:p>
@@ -6685,7 +6955,7 @@
     </p:spTree>
     <p:extLst>
       <p:ext uri="{BB962C8B-B14F-4D97-AF65-F5344CB8AC3E}">
-        <p14:creationId xmlns:p14="http://schemas.microsoft.com/office/powerpoint/2010/main" val="3942592066"/>
+        <p14:creationId xmlns:p14="http://schemas.microsoft.com/office/powerpoint/2010/main" val="1186569597"/>
       </p:ext>
     </p:extLst>
   </p:cSld>
@@ -6736,7 +7006,7 @@
           <a:p>
             <a:r>
               <a:rPr lang="en-US" dirty="0" smtClean="0"/>
-              <a:t>Random Thoughts</a:t>
+              <a:t>Preventing Default Behavior</a:t>
             </a:r>
             <a:endParaRPr lang="en-US" dirty="0"/>
           </a:p>
@@ -6758,32 +7028,30 @@
           <a:lstStyle/>
           <a:p>
             <a:r>
+              <a:rPr lang="en-US" dirty="0" err="1" smtClean="0"/>
+              <a:t>evt.preventDefault</a:t>
+            </a:r>
+            <a:r>
               <a:rPr lang="en-US" dirty="0" smtClean="0"/>
-              <a:t>Don’t forget mice.</a:t>
-            </a:r>
-          </a:p>
-          <a:p>
+              <a:t>() is your friend.</a:t>
+            </a:r>
+          </a:p>
+          <a:p>
+            <a:r>
+              <a:rPr lang="en-US" dirty="0"/>
+              <a:t>-</a:t>
+            </a:r>
+            <a:r>
+              <a:rPr lang="en-US" dirty="0" err="1"/>
+              <a:t>ms</a:t>
+            </a:r>
+            <a:r>
+              <a:rPr lang="en-US" dirty="0"/>
+              <a:t>-touch-action: </a:t>
+            </a:r>
             <a:r>
               <a:rPr lang="en-US" dirty="0" smtClean="0"/>
-              <a:t>On a multi-device web, don’t use any type of hover/</a:t>
-            </a:r>
-            <a:r>
-              <a:rPr lang="en-US" dirty="0" err="1" smtClean="0"/>
-              <a:t>mouseover</a:t>
-            </a:r>
-            <a:r>
-              <a:rPr lang="en-US" dirty="0" smtClean="0"/>
-              <a:t> event.</a:t>
-            </a:r>
-          </a:p>
-          <a:p>
-            <a:r>
-              <a:rPr lang="en-US" dirty="0" smtClean="0"/>
-              <a:t>Make things of a nice </a:t>
-            </a:r>
-            <a:r>
-              <a:rPr lang="en-US" smtClean="0"/>
-              <a:t>touchable size</a:t>
+              <a:t>none is also your friend.</a:t>
             </a:r>
             <a:endParaRPr lang="en-US" dirty="0"/>
           </a:p>
@@ -6792,7 +7060,7 @@
     </p:spTree>
     <p:extLst>
       <p:ext uri="{BB962C8B-B14F-4D97-AF65-F5344CB8AC3E}">
-        <p14:creationId xmlns:p14="http://schemas.microsoft.com/office/powerpoint/2010/main" val="276718425"/>
+        <p14:creationId xmlns:p14="http://schemas.microsoft.com/office/powerpoint/2010/main" val="3942592066"/>
       </p:ext>
     </p:extLst>
   </p:cSld>
@@ -6836,55 +7104,70 @@
             <p:ph type="title"/>
           </p:nvPr>
         </p:nvSpPr>
-        <p:spPr>
-          <a:xfrm>
-            <a:off x="457200" y="274638"/>
-            <a:ext cx="8229600" cy="5668962"/>
-          </a:xfrm>
-        </p:spPr>
-        <p:txBody>
-          <a:bodyPr>
-            <a:normAutofit/>
-          </a:bodyPr>
-          <a:lstStyle/>
-          <a:p>
-            <a:r>
-              <a:rPr lang="en-US" sz="7200" dirty="0" smtClean="0"/>
-              <a:t>Libraries</a:t>
-            </a:r>
-            <a:br>
-              <a:rPr lang="en-US" sz="7200" dirty="0" smtClean="0"/>
-            </a:br>
-            <a:r>
-              <a:rPr lang="en-US" sz="7200" dirty="0"/>
-              <a:t>c</a:t>
-            </a:r>
-            <a:r>
-              <a:rPr lang="en-US" sz="7200" dirty="0" smtClean="0"/>
-              <a:t>an</a:t>
-            </a:r>
-            <a:br>
-              <a:rPr lang="en-US" sz="7200" dirty="0" smtClean="0"/>
-            </a:br>
-            <a:r>
-              <a:rPr lang="en-US" sz="7200" dirty="0" smtClean="0"/>
-              <a:t>help</a:t>
-            </a:r>
-            <a:br>
-              <a:rPr lang="en-US" sz="7200" dirty="0" smtClean="0"/>
-            </a:br>
-            <a:r>
-              <a:rPr lang="en-US" sz="7200" dirty="0" smtClean="0"/>
-              <a:t>you</a:t>
-            </a:r>
-            <a:endParaRPr lang="en-US" sz="7200" dirty="0"/>
+        <p:spPr/>
+        <p:txBody>
+          <a:bodyPr/>
+          <a:lstStyle/>
+          <a:p>
+            <a:r>
+              <a:rPr lang="en-US" dirty="0" smtClean="0"/>
+              <a:t>Random Thoughts</a:t>
+            </a:r>
+            <a:endParaRPr lang="en-US" dirty="0"/>
+          </a:p>
+        </p:txBody>
+      </p:sp>
+      <p:sp>
+        <p:nvSpPr>
+          <p:cNvPr id="3" name="Content Placeholder 2"/>
+          <p:cNvSpPr>
+            <a:spLocks noGrp="1"/>
+          </p:cNvSpPr>
+          <p:nvPr>
+            <p:ph idx="1"/>
+          </p:nvPr>
+        </p:nvSpPr>
+        <p:spPr/>
+        <p:txBody>
+          <a:bodyPr/>
+          <a:lstStyle/>
+          <a:p>
+            <a:r>
+              <a:rPr lang="en-US" dirty="0" smtClean="0"/>
+              <a:t>Don’t forget mice.</a:t>
+            </a:r>
+          </a:p>
+          <a:p>
+            <a:r>
+              <a:rPr lang="en-US" dirty="0" smtClean="0"/>
+              <a:t>On a multi-device web, don’t use any type of hover/</a:t>
+            </a:r>
+            <a:r>
+              <a:rPr lang="en-US" dirty="0" err="1" smtClean="0"/>
+              <a:t>mouseover</a:t>
+            </a:r>
+            <a:r>
+              <a:rPr lang="en-US" dirty="0" smtClean="0"/>
+              <a:t> event.</a:t>
+            </a:r>
+          </a:p>
+          <a:p>
+            <a:r>
+              <a:rPr lang="en-US" dirty="0" smtClean="0"/>
+              <a:t>Make things of a nice </a:t>
+            </a:r>
+            <a:r>
+              <a:rPr lang="en-US" smtClean="0"/>
+              <a:t>touchable size</a:t>
+            </a:r>
+            <a:endParaRPr lang="en-US" dirty="0"/>
           </a:p>
         </p:txBody>
       </p:sp>
     </p:spTree>
     <p:extLst>
       <p:ext uri="{BB962C8B-B14F-4D97-AF65-F5344CB8AC3E}">
-        <p14:creationId xmlns:p14="http://schemas.microsoft.com/office/powerpoint/2010/main" val="1059556144"/>
+        <p14:creationId xmlns:p14="http://schemas.microsoft.com/office/powerpoint/2010/main" val="276718425"/>
       </p:ext>
     </p:extLst>
   </p:cSld>
@@ -6988,38 +7271,324 @@
             <p:ph type="title"/>
           </p:nvPr>
         </p:nvSpPr>
-        <p:spPr/>
-        <p:txBody>
-          <a:bodyPr/>
-          <a:lstStyle/>
-          <a:p>
-            <a:endParaRPr lang="en-US"/>
-          </a:p>
-        </p:txBody>
-      </p:sp>
-      <p:sp>
-        <p:nvSpPr>
-          <p:cNvPr id="3" name="Content Placeholder 2"/>
-          <p:cNvSpPr>
-            <a:spLocks noGrp="1"/>
-          </p:cNvSpPr>
+        <p:spPr>
+          <a:xfrm>
+            <a:off x="457200" y="274638"/>
+            <a:ext cx="8229600" cy="5668962"/>
+          </a:xfrm>
+        </p:spPr>
+        <p:txBody>
+          <a:bodyPr>
+            <a:normAutofit/>
+          </a:bodyPr>
+          <a:lstStyle/>
+          <a:p>
+            <a:r>
+              <a:rPr lang="en-US" sz="7200" dirty="0" smtClean="0"/>
+              <a:t>Libraries</a:t>
+            </a:r>
+            <a:br>
+              <a:rPr lang="en-US" sz="7200" dirty="0" smtClean="0"/>
+            </a:br>
+            <a:r>
+              <a:rPr lang="en-US" sz="7200" dirty="0"/>
+              <a:t>c</a:t>
+            </a:r>
+            <a:r>
+              <a:rPr lang="en-US" sz="7200" dirty="0" smtClean="0"/>
+              <a:t>an</a:t>
+            </a:r>
+            <a:br>
+              <a:rPr lang="en-US" sz="7200" dirty="0" smtClean="0"/>
+            </a:br>
+            <a:r>
+              <a:rPr lang="en-US" sz="7200" dirty="0" smtClean="0"/>
+              <a:t>help</a:t>
+            </a:r>
+            <a:br>
+              <a:rPr lang="en-US" sz="7200" dirty="0" smtClean="0"/>
+            </a:br>
+            <a:r>
+              <a:rPr lang="en-US" sz="7200" dirty="0" smtClean="0"/>
+              <a:t>you</a:t>
+            </a:r>
+            <a:endParaRPr lang="en-US" sz="7200" dirty="0"/>
+          </a:p>
+        </p:txBody>
+      </p:sp>
+    </p:spTree>
+    <p:extLst>
+      <p:ext uri="{BB962C8B-B14F-4D97-AF65-F5344CB8AC3E}">
+        <p14:creationId xmlns:p14="http://schemas.microsoft.com/office/powerpoint/2010/main" val="1059556144"/>
+      </p:ext>
+    </p:extLst>
+  </p:cSld>
+  <p:clrMapOvr>
+    <a:masterClrMapping/>
+  </p:clrMapOvr>
+  <p:timing>
+    <p:tnLst>
+      <p:par>
+        <p:cTn id="1" dur="indefinite" restart="never" nodeType="tmRoot"/>
+      </p:par>
+    </p:tnLst>
+  </p:timing>
+</p:sld>
+</file>
+
+<file path=ppt/slides/slide31.xml><?xml version="1.0" encoding="utf-8"?>
+<p:sld xmlns:a="http://schemas.openxmlformats.org/drawingml/2006/main" xmlns:r="http://schemas.openxmlformats.org/officeDocument/2006/relationships" xmlns:p="http://schemas.openxmlformats.org/presentationml/2006/main">
+  <p:cSld>
+    <p:spTree>
+      <p:nvGrpSpPr>
+        <p:cNvPr id="1" name=""/>
+        <p:cNvGrpSpPr/>
+        <p:nvPr/>
+      </p:nvGrpSpPr>
+      <p:grpSpPr>
+        <a:xfrm>
+          <a:off x="0" y="0"/>
+          <a:ext cx="0" cy="0"/>
+          <a:chOff x="0" y="0"/>
+          <a:chExt cx="0" cy="0"/>
+        </a:xfrm>
+      </p:grpSpPr>
+      <p:pic>
+        <p:nvPicPr>
+          <p:cNvPr id="5" name="Content Placeholder 4"/>
+          <p:cNvPicPr>
+            <a:picLocks noGrp="1" noChangeAspect="1"/>
+          </p:cNvPicPr>
           <p:nvPr>
             <p:ph idx="1"/>
           </p:nvPr>
-        </p:nvSpPr>
-        <p:spPr/>
-        <p:txBody>
-          <a:bodyPr/>
-          <a:lstStyle/>
-          <a:p>
-            <a:endParaRPr lang="en-US"/>
-          </a:p>
-        </p:txBody>
-      </p:sp>
+        </p:nvPicPr>
+        <p:blipFill>
+          <a:blip r:embed="rId2">
+            <a:extLst>
+              <a:ext uri="{28A0092B-C50C-407E-A947-70E740481C1C}">
+                <a14:useLocalDpi xmlns:a14="http://schemas.microsoft.com/office/drawing/2010/main" val="0"/>
+              </a:ext>
+            </a:extLst>
+          </a:blip>
+          <a:stretch>
+            <a:fillRect/>
+          </a:stretch>
+        </p:blipFill>
+        <p:spPr>
+          <a:xfrm>
+            <a:off x="-2754057" y="0"/>
+            <a:ext cx="14107857" cy="6934200"/>
+          </a:xfrm>
+        </p:spPr>
+      </p:pic>
     </p:spTree>
     <p:extLst>
       <p:ext uri="{BB962C8B-B14F-4D97-AF65-F5344CB8AC3E}">
         <p14:creationId xmlns:p14="http://schemas.microsoft.com/office/powerpoint/2010/main" val="2337445299"/>
+      </p:ext>
+    </p:extLst>
+  </p:cSld>
+  <p:clrMapOvr>
+    <a:masterClrMapping/>
+  </p:clrMapOvr>
+  <p:timing>
+    <p:tnLst>
+      <p:par>
+        <p:cTn id="1" dur="indefinite" restart="never" nodeType="tmRoot"/>
+      </p:par>
+    </p:tnLst>
+  </p:timing>
+</p:sld>
+</file>
+
+<file path=ppt/slides/slide32.xml><?xml version="1.0" encoding="utf-8"?>
+<p:sld xmlns:a="http://schemas.openxmlformats.org/drawingml/2006/main" xmlns:r="http://schemas.openxmlformats.org/officeDocument/2006/relationships" xmlns:p="http://schemas.openxmlformats.org/presentationml/2006/main">
+  <p:cSld>
+    <p:spTree>
+      <p:nvGrpSpPr>
+        <p:cNvPr id="1" name=""/>
+        <p:cNvGrpSpPr/>
+        <p:nvPr/>
+      </p:nvGrpSpPr>
+      <p:grpSpPr>
+        <a:xfrm>
+          <a:off x="0" y="0"/>
+          <a:ext cx="0" cy="0"/>
+          <a:chOff x="0" y="0"/>
+          <a:chExt cx="0" cy="0"/>
+        </a:xfrm>
+      </p:grpSpPr>
+      <p:sp>
+        <p:nvSpPr>
+          <p:cNvPr id="2" name="Title 1"/>
+          <p:cNvSpPr>
+            <a:spLocks noGrp="1"/>
+          </p:cNvSpPr>
+          <p:nvPr>
+            <p:ph type="title"/>
+          </p:nvPr>
+        </p:nvSpPr>
+        <p:spPr/>
+        <p:txBody>
+          <a:bodyPr/>
+          <a:lstStyle/>
+          <a:p>
+            <a:r>
+              <a:rPr lang="en-US" dirty="0" smtClean="0"/>
+              <a:t>Hammer.js demo</a:t>
+            </a:r>
+            <a:endParaRPr lang="en-US" dirty="0"/>
+          </a:p>
+        </p:txBody>
+      </p:sp>
+    </p:spTree>
+    <p:extLst>
+      <p:ext uri="{BB962C8B-B14F-4D97-AF65-F5344CB8AC3E}">
+        <p14:creationId xmlns:p14="http://schemas.microsoft.com/office/powerpoint/2010/main" val="903355359"/>
+      </p:ext>
+    </p:extLst>
+  </p:cSld>
+  <p:clrMapOvr>
+    <a:masterClrMapping/>
+  </p:clrMapOvr>
+  <p:timing>
+    <p:tnLst>
+      <p:par>
+        <p:cTn id="1" dur="indefinite" restart="never" nodeType="tmRoot"/>
+      </p:par>
+    </p:tnLst>
+  </p:timing>
+</p:sld>
+</file>
+
+<file path=ppt/slides/slide33.xml><?xml version="1.0" encoding="utf-8"?>
+<p:sld xmlns:a="http://schemas.openxmlformats.org/drawingml/2006/main" xmlns:r="http://schemas.openxmlformats.org/officeDocument/2006/relationships" xmlns:p="http://schemas.openxmlformats.org/presentationml/2006/main">
+  <p:cSld>
+    <p:spTree>
+      <p:nvGrpSpPr>
+        <p:cNvPr id="1" name=""/>
+        <p:cNvGrpSpPr/>
+        <p:nvPr/>
+      </p:nvGrpSpPr>
+      <p:grpSpPr>
+        <a:xfrm>
+          <a:off x="0" y="0"/>
+          <a:ext cx="0" cy="0"/>
+          <a:chOff x="0" y="0"/>
+          <a:chExt cx="0" cy="0"/>
+        </a:xfrm>
+      </p:grpSpPr>
+      <p:pic>
+        <p:nvPicPr>
+          <p:cNvPr id="4" name="Picture 3"/>
+          <p:cNvPicPr>
+            <a:picLocks noChangeAspect="1"/>
+          </p:cNvPicPr>
+          <p:nvPr/>
+        </p:nvPicPr>
+        <p:blipFill>
+          <a:blip r:embed="rId2">
+            <a:extLst>
+              <a:ext uri="{28A0092B-C50C-407E-A947-70E740481C1C}">
+                <a14:useLocalDpi xmlns:a14="http://schemas.microsoft.com/office/drawing/2010/main" val="0"/>
+              </a:ext>
+            </a:extLst>
+          </a:blip>
+          <a:stretch>
+            <a:fillRect/>
+          </a:stretch>
+        </p:blipFill>
+        <p:spPr>
+          <a:xfrm>
+            <a:off x="-1447800" y="0"/>
+            <a:ext cx="12192000" cy="6858000"/>
+          </a:xfrm>
+          <a:prstGeom prst="rect">
+            <a:avLst/>
+          </a:prstGeom>
+        </p:spPr>
+      </p:pic>
+      <p:sp>
+        <p:nvSpPr>
+          <p:cNvPr id="2" name="TextBox 1"/>
+          <p:cNvSpPr txBox="1"/>
+          <p:nvPr/>
+        </p:nvSpPr>
+        <p:spPr>
+          <a:xfrm>
+            <a:off x="1101804" y="381000"/>
+            <a:ext cx="6899196" cy="830997"/>
+          </a:xfrm>
+          <a:prstGeom prst="rect">
+            <a:avLst/>
+          </a:prstGeom>
+          <a:noFill/>
+        </p:spPr>
+        <p:txBody>
+          <a:bodyPr wrap="none" rtlCol="0">
+            <a:spAutoFit/>
+          </a:bodyPr>
+          <a:lstStyle/>
+          <a:p>
+            <a:r>
+              <a:rPr lang="en-US" sz="4800" b="1" dirty="0">
+                <a:solidFill>
+                  <a:schemeClr val="bg1"/>
+                </a:solidFill>
+              </a:rPr>
+              <a:t>http://spkr8.com/t/20751</a:t>
+            </a:r>
+            <a:endParaRPr lang="en-US" sz="4800" b="1" dirty="0">
+              <a:solidFill>
+                <a:schemeClr val="bg1"/>
+              </a:solidFill>
+            </a:endParaRPr>
+          </a:p>
+        </p:txBody>
+      </p:sp>
+      <p:sp>
+        <p:nvSpPr>
+          <p:cNvPr id="3" name="Title 2"/>
+          <p:cNvSpPr>
+            <a:spLocks noGrp="1"/>
+          </p:cNvSpPr>
+          <p:nvPr>
+            <p:ph type="title"/>
+          </p:nvPr>
+        </p:nvSpPr>
+        <p:spPr/>
+        <p:txBody>
+          <a:bodyPr/>
+          <a:lstStyle/>
+          <a:p>
+            <a:endParaRPr lang="en-US"/>
+          </a:p>
+        </p:txBody>
+      </p:sp>
+      <p:sp>
+        <p:nvSpPr>
+          <p:cNvPr id="5" name="Content Placeholder 4"/>
+          <p:cNvSpPr>
+            <a:spLocks noGrp="1"/>
+          </p:cNvSpPr>
+          <p:nvPr>
+            <p:ph idx="1"/>
+          </p:nvPr>
+        </p:nvSpPr>
+        <p:spPr/>
+        <p:txBody>
+          <a:bodyPr/>
+          <a:lstStyle/>
+          <a:p>
+            <a:endParaRPr lang="en-US"/>
+          </a:p>
+        </p:txBody>
+      </p:sp>
+    </p:spTree>
+    <p:extLst>
+      <p:ext uri="{BB962C8B-B14F-4D97-AF65-F5344CB8AC3E}">
+        <p14:creationId xmlns:p14="http://schemas.microsoft.com/office/powerpoint/2010/main" val="1570567408"/>
       </p:ext>
     </p:extLst>
   </p:cSld>
@@ -7112,7 +7681,11 @@
             </a:pPr>
             <a:r>
               <a:rPr lang="en-US" dirty="0" smtClean="0"/>
-              <a:t>Go here: http://ericsowell.com/touchbasics.html</a:t>
+              <a:t>Go here: http</a:t>
+            </a:r>
+            <a:r>
+              <a:rPr lang="en-US" smtClean="0"/>
+              <a:t>://ericsowell.com/touch/</a:t>
             </a:r>
             <a:endParaRPr lang="en-US" dirty="0"/>
           </a:p>
@@ -7259,26 +7832,7 @@
                 <a:latin typeface="Consolas" pitchFamily="49" charset="0"/>
                 <a:cs typeface="Consolas" pitchFamily="49" charset="0"/>
               </a:rPr>
-              <a:t>(</a:t>
-            </a:r>
-          </a:p>
-          <a:p>
-            <a:pPr marL="0" indent="0">
-              <a:buNone/>
-            </a:pPr>
-            <a:r>
-              <a:rPr lang="en-US" sz="2400" dirty="0">
-                <a:latin typeface="Consolas" pitchFamily="49" charset="0"/>
-                <a:cs typeface="Consolas" pitchFamily="49" charset="0"/>
-              </a:rPr>
-              <a:t> </a:t>
-            </a:r>
-            <a:r>
-              <a:rPr lang="en-US" sz="2400" dirty="0" smtClean="0">
-                <a:latin typeface="Consolas" pitchFamily="49" charset="0"/>
-                <a:cs typeface="Consolas" pitchFamily="49" charset="0"/>
-              </a:rPr>
-              <a:t> 'click</a:t>
+              <a:t>('click</a:t>
             </a:r>
             <a:r>
               <a:rPr lang="en-US" sz="2400" dirty="0">
